--- a/Laboratory Latex/Lab10ControlUnit/LMS Upload Lab10/Lab 10.pptx
+++ b/Laboratory Latex/Lab10ControlUnit/LMS Upload Lab10/Lab 10.pptx
@@ -211,7 +211,7 @@
           <a:p>
             <a:fld id="{E4DD5C9C-88A3-CA43-B162-DCC4E1E4BE7D}" type="datetimeFigureOut">
               <a:rPr lang="en-US" smtClean="0"/>
-              <a:t>4/15/2024</a:t>
+              <a:t>4/15/2025</a:t>
             </a:fld>
             <a:endParaRPr lang="en-US"/>
           </a:p>
@@ -376,7 +376,7 @@
           <a:p>
             <a:fld id="{BC5E4000-89B6-4F22-834E-B172C4AA57D1}" type="datetimeFigureOut">
               <a:rPr lang="en-US" smtClean="0"/>
-              <a:t>4/15/2024</a:t>
+              <a:t>4/15/2025</a:t>
             </a:fld>
             <a:endParaRPr lang="en-US"/>
           </a:p>
@@ -1425,7 +1425,7 @@
           <a:p>
             <a:fld id="{8923E60E-3077-9A4D-B784-FBCD6B1A2E3F}" type="datetimeFigureOut">
               <a:rPr lang="en-US" smtClean="0"/>
-              <a:t>4/15/2024</a:t>
+              <a:t>4/15/2025</a:t>
             </a:fld>
             <a:endParaRPr lang="en-US"/>
           </a:p>
@@ -2041,7 +2041,7 @@
           <a:p>
             <a:fld id="{8923E60E-3077-9A4D-B784-FBCD6B1A2E3F}" type="datetimeFigureOut">
               <a:rPr lang="en-US" smtClean="0"/>
-              <a:t>4/15/2024</a:t>
+              <a:t>4/15/2025</a:t>
             </a:fld>
             <a:endParaRPr lang="en-US"/>
           </a:p>
@@ -2518,7 +2518,7 @@
           <a:p>
             <a:fld id="{8923E60E-3077-9A4D-B784-FBCD6B1A2E3F}" type="datetimeFigureOut">
               <a:rPr lang="en-US" smtClean="0"/>
-              <a:t>4/15/2024</a:t>
+              <a:t>4/15/2025</a:t>
             </a:fld>
             <a:endParaRPr lang="en-US"/>
           </a:p>
@@ -2755,7 +2755,7 @@
           <a:p>
             <a:fld id="{8923E60E-3077-9A4D-B784-FBCD6B1A2E3F}" type="datetimeFigureOut">
               <a:rPr lang="en-US" smtClean="0"/>
-              <a:t>4/15/2024</a:t>
+              <a:t>4/15/2025</a:t>
             </a:fld>
             <a:endParaRPr lang="en-US"/>
           </a:p>
@@ -3110,7 +3110,7 @@
           <a:p>
             <a:fld id="{8923E60E-3077-9A4D-B784-FBCD6B1A2E3F}" type="datetimeFigureOut">
               <a:rPr lang="en-US" smtClean="0"/>
-              <a:t>4/15/2024</a:t>
+              <a:t>4/15/2025</a:t>
             </a:fld>
             <a:endParaRPr lang="en-US"/>
           </a:p>
@@ -3577,7 +3577,7 @@
           <a:p>
             <a:fld id="{8923E60E-3077-9A4D-B784-FBCD6B1A2E3F}" type="datetimeFigureOut">
               <a:rPr lang="en-US" smtClean="0"/>
-              <a:t>4/15/2024</a:t>
+              <a:t>4/15/2025</a:t>
             </a:fld>
             <a:endParaRPr lang="en-US"/>
           </a:p>
@@ -3922,7 +3922,7 @@
           <a:p>
             <a:fld id="{8923E60E-3077-9A4D-B784-FBCD6B1A2E3F}" type="datetimeFigureOut">
               <a:rPr lang="en-US" smtClean="0"/>
-              <a:t>4/15/2024</a:t>
+              <a:t>4/15/2025</a:t>
             </a:fld>
             <a:endParaRPr lang="en-US"/>
           </a:p>
@@ -4279,7 +4279,7 @@
           <a:p>
             <a:fld id="{8923E60E-3077-9A4D-B784-FBCD6B1A2E3F}" type="datetimeFigureOut">
               <a:rPr lang="en-US" smtClean="0"/>
-              <a:t>4/15/2024</a:t>
+              <a:t>4/15/2025</a:t>
             </a:fld>
             <a:endParaRPr lang="en-US"/>
           </a:p>
@@ -4820,7 +4820,7 @@
           <a:p>
             <a:fld id="{8923E60E-3077-9A4D-B784-FBCD6B1A2E3F}" type="datetimeFigureOut">
               <a:rPr lang="en-US" smtClean="0"/>
-              <a:t>4/15/2024</a:t>
+              <a:t>4/15/2025</a:t>
             </a:fld>
             <a:endParaRPr lang="en-US"/>
           </a:p>
@@ -5114,7 +5114,7 @@
           <a:p>
             <a:fld id="{8923E60E-3077-9A4D-B784-FBCD6B1A2E3F}" type="datetimeFigureOut">
               <a:rPr lang="en-US" smtClean="0"/>
-              <a:t>4/15/2024</a:t>
+              <a:t>4/15/2025</a:t>
             </a:fld>
             <a:endParaRPr lang="en-US"/>
           </a:p>
@@ -5378,7 +5378,7 @@
           <a:p>
             <a:fld id="{8923E60E-3077-9A4D-B784-FBCD6B1A2E3F}" type="datetimeFigureOut">
               <a:rPr lang="en-US" smtClean="0"/>
-              <a:t>4/15/2024</a:t>
+              <a:t>4/15/2025</a:t>
             </a:fld>
             <a:endParaRPr lang="en-US"/>
           </a:p>
@@ -6474,48 +6474,11 @@
           <a:p>
             <a:r>
               <a:rPr lang="en-US" dirty="0"/>
-              <a:t>Taking </a:t>
-            </a:r>
-            <a:r>
-              <a:rPr lang="en-US" dirty="0" err="1"/>
-              <a:t>Llab</a:t>
-            </a:r>
-            <a:r>
-              <a:rPr lang="en-US" dirty="0"/>
-              <a:t> Assistant Applications</a:t>
-            </a:r>
-          </a:p>
-        </p:txBody>
-      </p:sp>
-      <p:pic>
-        <p:nvPicPr>
-          <p:cNvPr id="5" name="Content Placeholder 4" descr="A white sign with red and blue text&#10;&#10;Description automatically generated">
-            <a:extLst>
-              <a:ext uri="{FF2B5EF4-FFF2-40B4-BE49-F238E27FC236}">
-                <a16:creationId xmlns:a16="http://schemas.microsoft.com/office/drawing/2014/main" id="{1072F06C-FC73-D5EE-6620-425D25F555BF}"/>
-              </a:ext>
-            </a:extLst>
-          </p:cNvPr>
-          <p:cNvPicPr>
-            <a:picLocks noGrp="1" noChangeAspect="1"/>
-          </p:cNvPicPr>
-          <p:nvPr>
-            <p:ph idx="1"/>
-          </p:nvPr>
-        </p:nvPicPr>
-        <p:blipFill>
-          <a:blip r:embed="rId2"/>
-          <a:stretch>
-            <a:fillRect/>
-          </a:stretch>
-        </p:blipFill>
-        <p:spPr>
-          <a:xfrm>
-            <a:off x="9360974" y="2898475"/>
-            <a:ext cx="2533376" cy="3278487"/>
-          </a:xfrm>
-        </p:spPr>
-      </p:pic>
+              <a:t>Taking Lab Assistant Applications</a:t>
+            </a:r>
+          </a:p>
+        </p:txBody>
+      </p:sp>
       <p:sp>
         <p:nvSpPr>
           <p:cNvPr id="6" name="Content Placeholder 2">
@@ -6781,10 +6744,10 @@
             </a:r>
           </a:p>
           <a:p>
-            <a:pPr marL="0" indent="0">
-              <a:buNone/>
-            </a:pPr>
-            <a:endParaRPr lang="en-US" dirty="0"/>
+            <a:r>
+              <a:rPr lang="en-US" dirty="0"/>
+              <a:t>Applications are due Friday April 18th</a:t>
+            </a:r>
           </a:p>
           <a:p>
             <a:pPr marL="0" indent="0">
@@ -6819,6 +6782,36 @@
           </a:p>
         </p:txBody>
       </p:sp>
+      <p:pic>
+        <p:nvPicPr>
+          <p:cNvPr id="8" name="Picture 7">
+            <a:extLst>
+              <a:ext uri="{FF2B5EF4-FFF2-40B4-BE49-F238E27FC236}">
+                <a16:creationId xmlns:a16="http://schemas.microsoft.com/office/drawing/2014/main" id="{FB1819BB-3288-6C79-EA78-984700DB7E4E}"/>
+              </a:ext>
+            </a:extLst>
+          </p:cNvPr>
+          <p:cNvPicPr>
+            <a:picLocks noChangeAspect="1"/>
+          </p:cNvPicPr>
+          <p:nvPr/>
+        </p:nvPicPr>
+        <p:blipFill>
+          <a:blip r:embed="rId2"/>
+          <a:stretch>
+            <a:fillRect/>
+          </a:stretch>
+        </p:blipFill>
+        <p:spPr>
+          <a:xfrm>
+            <a:off x="9193379" y="3033963"/>
+            <a:ext cx="2066925" cy="2057400"/>
+          </a:xfrm>
+          <a:prstGeom prst="rect">
+            <a:avLst/>
+          </a:prstGeom>
+        </p:spPr>
+      </p:pic>
     </p:spTree>
     <p:extLst>
       <p:ext uri="{BB962C8B-B14F-4D97-AF65-F5344CB8AC3E}">
@@ -7332,7 +7325,7 @@
                                         <p:tgtEl>
                                           <p:spTgt spid="6">
                                             <p:txEl>
-                                              <p:pRg st="12" end="12"/>
+                                              <p:pRg st="11" end="11"/>
                                             </p:txEl>
                                           </p:spTgt>
                                         </p:tgtEl>
@@ -7374,6 +7367,55 @@
                                     <p:set>
                                       <p:cBhvr>
                                         <p:cTn id="46" dur="1" fill="hold">
+                                          <p:stCondLst>
+                                            <p:cond delay="0"/>
+                                          </p:stCondLst>
+                                        </p:cTn>
+                                        <p:tgtEl>
+                                          <p:spTgt spid="6">
+                                            <p:txEl>
+                                              <p:pRg st="12" end="12"/>
+                                            </p:txEl>
+                                          </p:spTgt>
+                                        </p:tgtEl>
+                                        <p:attrNameLst>
+                                          <p:attrName>style.visibility</p:attrName>
+                                        </p:attrNameLst>
+                                      </p:cBhvr>
+                                      <p:to>
+                                        <p:strVal val="visible"/>
+                                      </p:to>
+                                    </p:set>
+                                  </p:childTnLst>
+                                </p:cTn>
+                              </p:par>
+                            </p:childTnLst>
+                          </p:cTn>
+                        </p:par>
+                      </p:childTnLst>
+                    </p:cTn>
+                  </p:par>
+                  <p:par>
+                    <p:cTn id="47" fill="hold">
+                      <p:stCondLst>
+                        <p:cond delay="indefinite"/>
+                      </p:stCondLst>
+                      <p:childTnLst>
+                        <p:par>
+                          <p:cTn id="48" fill="hold">
+                            <p:stCondLst>
+                              <p:cond delay="0"/>
+                            </p:stCondLst>
+                            <p:childTnLst>
+                              <p:par>
+                                <p:cTn id="49" presetID="1" presetClass="entr" presetSubtype="0" fill="hold" grpId="0" nodeType="clickEffect">
+                                  <p:stCondLst>
+                                    <p:cond delay="0"/>
+                                  </p:stCondLst>
+                                  <p:childTnLst>
+                                    <p:set>
+                                      <p:cBhvr>
+                                        <p:cTn id="50" dur="1" fill="hold">
                                           <p:stCondLst>
                                             <p:cond delay="0"/>
                                           </p:stCondLst>
@@ -8939,10 +8981,10 @@
       </p:sp>
       <p:pic>
         <p:nvPicPr>
-          <p:cNvPr id="5" name="Picture 4">
+          <p:cNvPr id="6" name="Picture 5">
             <a:extLst>
               <a:ext uri="{FF2B5EF4-FFF2-40B4-BE49-F238E27FC236}">
-                <a16:creationId xmlns:a16="http://schemas.microsoft.com/office/drawing/2014/main" id="{7F088A80-EA9B-193A-7EF9-6AEFA8DA631A}"/>
+                <a16:creationId xmlns:a16="http://schemas.microsoft.com/office/drawing/2014/main" id="{E4ABF656-796A-B0D3-A3CA-12E9FD9D0E08}"/>
               </a:ext>
             </a:extLst>
           </p:cNvPr>
@@ -8959,8 +9001,8 @@
         </p:blipFill>
         <p:spPr>
           <a:xfrm>
-            <a:off x="967307" y="4003643"/>
-            <a:ext cx="10257385" cy="2173320"/>
+            <a:off x="243327" y="4252853"/>
+            <a:ext cx="11705345" cy="1273965"/>
           </a:xfrm>
           <a:prstGeom prst="rect">
             <a:avLst/>
